--- a/presentation.pptx
+++ b/presentation.pptx
@@ -110,6 +110,11 @@
       </a:defRPr>
     </a:lvl9pPr>
   </p:defaultTextStyle>
+  <p:extLst>
+    <p:ext uri="{EFAFB233-063F-42B5-8137-9DF3F51BA10A}">
+      <p15:sldGuideLst xmlns:p15="http://schemas.microsoft.com/office/powerpoint/2012/main"/>
+    </p:ext>
+  </p:extLst>
 </p:presentation>
 </file>
 
@@ -163,7 +168,7 @@
           <a:noFill/>
           <a:extLst>
             <a:ext uri="{909E8E84-426E-40dd-AFC4-6F175D3DCCD1}">
-              <a14:hiddenFill xmlns:a14="http://schemas.microsoft.com/office/drawing/2010/main" xmlns="">
+              <a14:hiddenFill xmlns="" xmlns:a14="http://schemas.microsoft.com/office/drawing/2010/main">
                 <a:solidFill>
                   <a:srgbClr val="FFFFFF"/>
                 </a:solidFill>
@@ -223,7 +228,7 @@
             </a:ln>
             <a:extLst>
               <a:ext uri="{91240B29-F687-4f45-9708-019B960494DF}">
-                <a14:hiddenLine xmlns:a14="http://schemas.microsoft.com/office/drawing/2010/main" xmlns="" w="9525">
+                <a14:hiddenLine xmlns="" xmlns:a14="http://schemas.microsoft.com/office/drawing/2010/main" w="9525">
                   <a:solidFill>
                     <a:srgbClr val="000000"/>
                   </a:solidFill>
@@ -313,7 +318,7 @@
             </a:ln>
             <a:extLst>
               <a:ext uri="{91240B29-F687-4f45-9708-019B960494DF}">
-                <a14:hiddenLine xmlns:a14="http://schemas.microsoft.com/office/drawing/2010/main" xmlns="" w="9525">
+                <a14:hiddenLine xmlns="" xmlns:a14="http://schemas.microsoft.com/office/drawing/2010/main" w="9525">
                   <a:solidFill>
                     <a:srgbClr val="000000"/>
                   </a:solidFill>
@@ -403,7 +408,7 @@
             </a:ln>
             <a:extLst>
               <a:ext uri="{91240B29-F687-4f45-9708-019B960494DF}">
-                <a14:hiddenLine xmlns:a14="http://schemas.microsoft.com/office/drawing/2010/main" xmlns="" w="9525">
+                <a14:hiddenLine xmlns="" xmlns:a14="http://schemas.microsoft.com/office/drawing/2010/main" w="9525">
                   <a:solidFill>
                     <a:srgbClr val="000000"/>
                   </a:solidFill>
@@ -437,7 +442,7 @@
             </a:ln>
             <a:extLst>
               <a:ext uri="{91240B29-F687-4f45-9708-019B960494DF}">
-                <a14:hiddenLine xmlns:a14="http://schemas.microsoft.com/office/drawing/2010/main" xmlns="" w="9525">
+                <a14:hiddenLine xmlns="" xmlns:a14="http://schemas.microsoft.com/office/drawing/2010/main" w="9525">
                   <a:solidFill>
                     <a:srgbClr val="000000"/>
                   </a:solidFill>
@@ -527,7 +532,7 @@
             </a:ln>
             <a:extLst>
               <a:ext uri="{91240B29-F687-4f45-9708-019B960494DF}">
-                <a14:hiddenLine xmlns:a14="http://schemas.microsoft.com/office/drawing/2010/main" xmlns="" w="9525">
+                <a14:hiddenLine xmlns="" xmlns:a14="http://schemas.microsoft.com/office/drawing/2010/main" w="9525">
                   <a:solidFill>
                     <a:srgbClr val="000000"/>
                   </a:solidFill>
@@ -589,7 +594,7 @@
             </a:ln>
             <a:extLst>
               <a:ext uri="{91240B29-F687-4f45-9708-019B960494DF}">
-                <a14:hiddenLine xmlns:a14="http://schemas.microsoft.com/office/drawing/2010/main" xmlns="" w="9525">
+                <a14:hiddenLine xmlns="" xmlns:a14="http://schemas.microsoft.com/office/drawing/2010/main" w="9525">
                   <a:solidFill>
                     <a:srgbClr val="000000"/>
                   </a:solidFill>
@@ -651,7 +656,7 @@
             </a:ln>
             <a:extLst>
               <a:ext uri="{91240B29-F687-4f45-9708-019B960494DF}">
-                <a14:hiddenLine xmlns:a14="http://schemas.microsoft.com/office/drawing/2010/main" xmlns="" w="9525">
+                <a14:hiddenLine xmlns="" xmlns:a14="http://schemas.microsoft.com/office/drawing/2010/main" w="9525">
                   <a:solidFill>
                     <a:srgbClr val="000000"/>
                   </a:solidFill>
@@ -741,7 +746,7 @@
             </a:ln>
             <a:extLst>
               <a:ext uri="{91240B29-F687-4f45-9708-019B960494DF}">
-                <a14:hiddenLine xmlns:a14="http://schemas.microsoft.com/office/drawing/2010/main" xmlns="" w="9525">
+                <a14:hiddenLine xmlns="" xmlns:a14="http://schemas.microsoft.com/office/drawing/2010/main" w="9525">
                   <a:solidFill>
                     <a:srgbClr val="000000"/>
                   </a:solidFill>
@@ -803,7 +808,7 @@
             </a:ln>
             <a:extLst>
               <a:ext uri="{91240B29-F687-4f45-9708-019B960494DF}">
-                <a14:hiddenLine xmlns:a14="http://schemas.microsoft.com/office/drawing/2010/main" xmlns="" w="9525">
+                <a14:hiddenLine xmlns="" xmlns:a14="http://schemas.microsoft.com/office/drawing/2010/main" w="9525">
                   <a:solidFill>
                     <a:srgbClr val="000000"/>
                   </a:solidFill>
@@ -865,7 +870,7 @@
             </a:ln>
             <a:extLst>
               <a:ext uri="{91240B29-F687-4f45-9708-019B960494DF}">
-                <a14:hiddenLine xmlns:a14="http://schemas.microsoft.com/office/drawing/2010/main" xmlns="" w="9525">
+                <a14:hiddenLine xmlns="" xmlns:a14="http://schemas.microsoft.com/office/drawing/2010/main" w="9525">
                   <a:solidFill>
                     <a:srgbClr val="000000"/>
                   </a:solidFill>
@@ -955,7 +960,7 @@
             </a:ln>
             <a:extLst>
               <a:ext uri="{91240B29-F687-4f45-9708-019B960494DF}">
-                <a14:hiddenLine xmlns:a14="http://schemas.microsoft.com/office/drawing/2010/main" xmlns="" w="9525">
+                <a14:hiddenLine xmlns="" xmlns:a14="http://schemas.microsoft.com/office/drawing/2010/main" w="9525">
                   <a:solidFill>
                     <a:srgbClr val="000000"/>
                   </a:solidFill>
@@ -1045,7 +1050,7 @@
             </a:ln>
             <a:extLst>
               <a:ext uri="{91240B29-F687-4f45-9708-019B960494DF}">
-                <a14:hiddenLine xmlns:a14="http://schemas.microsoft.com/office/drawing/2010/main" xmlns="" w="9525">
+                <a14:hiddenLine xmlns="" xmlns:a14="http://schemas.microsoft.com/office/drawing/2010/main" w="9525">
                   <a:solidFill>
                     <a:srgbClr val="000000"/>
                   </a:solidFill>
@@ -1107,7 +1112,7 @@
             </a:ln>
             <a:extLst>
               <a:ext uri="{91240B29-F687-4f45-9708-019B960494DF}">
-                <a14:hiddenLine xmlns:a14="http://schemas.microsoft.com/office/drawing/2010/main" xmlns="" w="9525">
+                <a14:hiddenLine xmlns="" xmlns:a14="http://schemas.microsoft.com/office/drawing/2010/main" w="9525">
                   <a:solidFill>
                     <a:srgbClr val="000000"/>
                   </a:solidFill>
@@ -1217,7 +1222,7 @@
             </a:ln>
             <a:extLst>
               <a:ext uri="{91240B29-F687-4f45-9708-019B960494DF}">
-                <a14:hiddenLine xmlns:a14="http://schemas.microsoft.com/office/drawing/2010/main" xmlns="" w="9525">
+                <a14:hiddenLine xmlns="" xmlns:a14="http://schemas.microsoft.com/office/drawing/2010/main" w="9525">
                   <a:solidFill>
                     <a:srgbClr val="000000"/>
                   </a:solidFill>
@@ -1279,7 +1284,7 @@
             </a:ln>
             <a:extLst>
               <a:ext uri="{91240B29-F687-4f45-9708-019B960494DF}">
-                <a14:hiddenLine xmlns:a14="http://schemas.microsoft.com/office/drawing/2010/main" xmlns="" w="9525">
+                <a14:hiddenLine xmlns="" xmlns:a14="http://schemas.microsoft.com/office/drawing/2010/main" w="9525">
                   <a:solidFill>
                     <a:srgbClr val="000000"/>
                   </a:solidFill>
@@ -1369,7 +1374,7 @@
             </a:ln>
             <a:extLst>
               <a:ext uri="{91240B29-F687-4f45-9708-019B960494DF}">
-                <a14:hiddenLine xmlns:a14="http://schemas.microsoft.com/office/drawing/2010/main" xmlns="" w="9525">
+                <a14:hiddenLine xmlns="" xmlns:a14="http://schemas.microsoft.com/office/drawing/2010/main" w="9525">
                   <a:solidFill>
                     <a:srgbClr val="000000"/>
                   </a:solidFill>
@@ -1459,7 +1464,7 @@
             </a:ln>
             <a:extLst>
               <a:ext uri="{91240B29-F687-4f45-9708-019B960494DF}">
-                <a14:hiddenLine xmlns:a14="http://schemas.microsoft.com/office/drawing/2010/main" xmlns="" w="9525">
+                <a14:hiddenLine xmlns="" xmlns:a14="http://schemas.microsoft.com/office/drawing/2010/main" w="9525">
                   <a:solidFill>
                     <a:srgbClr val="000000"/>
                   </a:solidFill>
@@ -1521,7 +1526,7 @@
             </a:ln>
             <a:extLst>
               <a:ext uri="{91240B29-F687-4f45-9708-019B960494DF}">
-                <a14:hiddenLine xmlns:a14="http://schemas.microsoft.com/office/drawing/2010/main" xmlns="" w="9525">
+                <a14:hiddenLine xmlns="" xmlns:a14="http://schemas.microsoft.com/office/drawing/2010/main" w="9525">
                   <a:solidFill>
                     <a:srgbClr val="000000"/>
                   </a:solidFill>
@@ -1611,7 +1616,7 @@
             </a:ln>
             <a:extLst>
               <a:ext uri="{91240B29-F687-4f45-9708-019B960494DF}">
-                <a14:hiddenLine xmlns:a14="http://schemas.microsoft.com/office/drawing/2010/main" xmlns="" w="9525">
+                <a14:hiddenLine xmlns="" xmlns:a14="http://schemas.microsoft.com/office/drawing/2010/main" w="9525">
                   <a:solidFill>
                     <a:srgbClr val="000000"/>
                   </a:solidFill>
@@ -1701,7 +1706,7 @@
             </a:ln>
             <a:extLst>
               <a:ext uri="{91240B29-F687-4f45-9708-019B960494DF}">
-                <a14:hiddenLine xmlns:a14="http://schemas.microsoft.com/office/drawing/2010/main" xmlns="" w="9525">
+                <a14:hiddenLine xmlns="" xmlns:a14="http://schemas.microsoft.com/office/drawing/2010/main" w="9525">
                   <a:solidFill>
                     <a:srgbClr val="000000"/>
                   </a:solidFill>
@@ -1757,7 +1762,7 @@
             </a:ln>
             <a:extLst>
               <a:ext uri="{91240B29-F687-4f45-9708-019B960494DF}">
-                <a14:hiddenLine xmlns:a14="http://schemas.microsoft.com/office/drawing/2010/main" xmlns="" w="9525">
+                <a14:hiddenLine xmlns="" xmlns:a14="http://schemas.microsoft.com/office/drawing/2010/main" w="9525">
                   <a:solidFill>
                     <a:srgbClr val="000000"/>
                   </a:solidFill>
@@ -1847,7 +1852,7 @@
             </a:ln>
             <a:extLst>
               <a:ext uri="{91240B29-F687-4f45-9708-019B960494DF}">
-                <a14:hiddenLine xmlns:a14="http://schemas.microsoft.com/office/drawing/2010/main" xmlns="" w="9525">
+                <a14:hiddenLine xmlns="" xmlns:a14="http://schemas.microsoft.com/office/drawing/2010/main" w="9525">
                   <a:solidFill>
                     <a:srgbClr val="000000"/>
                   </a:solidFill>
@@ -1903,7 +1908,7 @@
             </a:ln>
             <a:extLst>
               <a:ext uri="{91240B29-F687-4f45-9708-019B960494DF}">
-                <a14:hiddenLine xmlns:a14="http://schemas.microsoft.com/office/drawing/2010/main" xmlns="" w="9525">
+                <a14:hiddenLine xmlns="" xmlns:a14="http://schemas.microsoft.com/office/drawing/2010/main" w="9525">
                   <a:solidFill>
                     <a:srgbClr val="000000"/>
                   </a:solidFill>
@@ -1993,7 +1998,7 @@
             </a:ln>
             <a:extLst>
               <a:ext uri="{91240B29-F687-4f45-9708-019B960494DF}">
-                <a14:hiddenLine xmlns:a14="http://schemas.microsoft.com/office/drawing/2010/main" xmlns="" w="9525">
+                <a14:hiddenLine xmlns="" xmlns:a14="http://schemas.microsoft.com/office/drawing/2010/main" w="9525">
                   <a:solidFill>
                     <a:srgbClr val="000000"/>
                   </a:solidFill>
@@ -2061,7 +2066,7 @@
             </a:ln>
             <a:extLst>
               <a:ext uri="{91240B29-F687-4f45-9708-019B960494DF}">
-                <a14:hiddenLine xmlns:a14="http://schemas.microsoft.com/office/drawing/2010/main" xmlns="" w="9525">
+                <a14:hiddenLine xmlns="" xmlns:a14="http://schemas.microsoft.com/office/drawing/2010/main" w="9525">
                   <a:solidFill>
                     <a:srgbClr val="000000"/>
                   </a:solidFill>
@@ -2151,7 +2156,7 @@
             </a:ln>
             <a:extLst>
               <a:ext uri="{91240B29-F687-4f45-9708-019B960494DF}">
-                <a14:hiddenLine xmlns:a14="http://schemas.microsoft.com/office/drawing/2010/main" xmlns="" w="9525">
+                <a14:hiddenLine xmlns="" xmlns:a14="http://schemas.microsoft.com/office/drawing/2010/main" w="9525">
                   <a:solidFill>
                     <a:srgbClr val="000000"/>
                   </a:solidFill>
@@ -2219,7 +2224,7 @@
             </a:ln>
             <a:extLst>
               <a:ext uri="{91240B29-F687-4f45-9708-019B960494DF}">
-                <a14:hiddenLine xmlns:a14="http://schemas.microsoft.com/office/drawing/2010/main" xmlns="" w="9525">
+                <a14:hiddenLine xmlns="" xmlns:a14="http://schemas.microsoft.com/office/drawing/2010/main" w="9525">
                   <a:solidFill>
                     <a:srgbClr val="000000"/>
                   </a:solidFill>
@@ -2309,7 +2314,7 @@
             </a:ln>
             <a:extLst>
               <a:ext uri="{91240B29-F687-4f45-9708-019B960494DF}">
-                <a14:hiddenLine xmlns:a14="http://schemas.microsoft.com/office/drawing/2010/main" xmlns="" w="9525">
+                <a14:hiddenLine xmlns="" xmlns:a14="http://schemas.microsoft.com/office/drawing/2010/main" w="9525">
                   <a:solidFill>
                     <a:srgbClr val="000000"/>
                   </a:solidFill>
@@ -2343,7 +2348,7 @@
             </a:ln>
             <a:extLst>
               <a:ext uri="{91240B29-F687-4f45-9708-019B960494DF}">
-                <a14:hiddenLine xmlns:a14="http://schemas.microsoft.com/office/drawing/2010/main" xmlns="" w="9525">
+                <a14:hiddenLine xmlns="" xmlns:a14="http://schemas.microsoft.com/office/drawing/2010/main" w="9525">
                   <a:solidFill>
                     <a:srgbClr val="000000"/>
                   </a:solidFill>
@@ -2433,7 +2438,7 @@
             </a:ln>
             <a:extLst>
               <a:ext uri="{91240B29-F687-4f45-9708-019B960494DF}">
-                <a14:hiddenLine xmlns:a14="http://schemas.microsoft.com/office/drawing/2010/main" xmlns="" w="9525">
+                <a14:hiddenLine xmlns="" xmlns:a14="http://schemas.microsoft.com/office/drawing/2010/main" w="9525">
                   <a:solidFill>
                     <a:srgbClr val="000000"/>
                   </a:solidFill>
@@ -2495,7 +2500,7 @@
             </a:ln>
             <a:extLst>
               <a:ext uri="{91240B29-F687-4f45-9708-019B960494DF}">
-                <a14:hiddenLine xmlns:a14="http://schemas.microsoft.com/office/drawing/2010/main" xmlns="" w="9525">
+                <a14:hiddenLine xmlns="" xmlns:a14="http://schemas.microsoft.com/office/drawing/2010/main" w="9525">
                   <a:solidFill>
                     <a:srgbClr val="000000"/>
                   </a:solidFill>
@@ -2557,7 +2562,7 @@
             </a:ln>
             <a:extLst>
               <a:ext uri="{91240B29-F687-4f45-9708-019B960494DF}">
-                <a14:hiddenLine xmlns:a14="http://schemas.microsoft.com/office/drawing/2010/main" xmlns="" w="9525">
+                <a14:hiddenLine xmlns="" xmlns:a14="http://schemas.microsoft.com/office/drawing/2010/main" w="9525">
                   <a:solidFill>
                     <a:srgbClr val="000000"/>
                   </a:solidFill>
@@ -2647,7 +2652,7 @@
             </a:ln>
             <a:extLst>
               <a:ext uri="{91240B29-F687-4f45-9708-019B960494DF}">
-                <a14:hiddenLine xmlns:a14="http://schemas.microsoft.com/office/drawing/2010/main" xmlns="" w="9525">
+                <a14:hiddenLine xmlns="" xmlns:a14="http://schemas.microsoft.com/office/drawing/2010/main" w="9525">
                   <a:solidFill>
                     <a:srgbClr val="000000"/>
                   </a:solidFill>
@@ -2715,7 +2720,7 @@
             </a:ln>
             <a:extLst>
               <a:ext uri="{91240B29-F687-4f45-9708-019B960494DF}">
-                <a14:hiddenLine xmlns:a14="http://schemas.microsoft.com/office/drawing/2010/main" xmlns="" w="9525">
+                <a14:hiddenLine xmlns="" xmlns:a14="http://schemas.microsoft.com/office/drawing/2010/main" w="9525">
                   <a:solidFill>
                     <a:srgbClr val="000000"/>
                   </a:solidFill>
@@ -2777,7 +2782,7 @@
             </a:ln>
             <a:extLst>
               <a:ext uri="{91240B29-F687-4f45-9708-019B960494DF}">
-                <a14:hiddenLine xmlns:a14="http://schemas.microsoft.com/office/drawing/2010/main" xmlns="" w="9525">
+                <a14:hiddenLine xmlns="" xmlns:a14="http://schemas.microsoft.com/office/drawing/2010/main" w="9525">
                   <a:solidFill>
                     <a:srgbClr val="000000"/>
                   </a:solidFill>
@@ -2867,7 +2872,7 @@
             </a:ln>
             <a:extLst>
               <a:ext uri="{91240B29-F687-4f45-9708-019B960494DF}">
-                <a14:hiddenLine xmlns:a14="http://schemas.microsoft.com/office/drawing/2010/main" xmlns="" w="9525">
+                <a14:hiddenLine xmlns="" xmlns:a14="http://schemas.microsoft.com/office/drawing/2010/main" w="9525">
                   <a:solidFill>
                     <a:srgbClr val="000000"/>
                   </a:solidFill>
@@ -2929,7 +2934,7 @@
             </a:ln>
             <a:extLst>
               <a:ext uri="{91240B29-F687-4f45-9708-019B960494DF}">
-                <a14:hiddenLine xmlns:a14="http://schemas.microsoft.com/office/drawing/2010/main" xmlns="" w="9525">
+                <a14:hiddenLine xmlns="" xmlns:a14="http://schemas.microsoft.com/office/drawing/2010/main" w="9525">
                   <a:solidFill>
                     <a:srgbClr val="000000"/>
                   </a:solidFill>
@@ -3019,7 +3024,7 @@
             </a:ln>
             <a:extLst>
               <a:ext uri="{91240B29-F687-4f45-9708-019B960494DF}">
-                <a14:hiddenLine xmlns:a14="http://schemas.microsoft.com/office/drawing/2010/main" xmlns="" w="9525">
+                <a14:hiddenLine xmlns="" xmlns:a14="http://schemas.microsoft.com/office/drawing/2010/main" w="9525">
                   <a:solidFill>
                     <a:srgbClr val="000000"/>
                   </a:solidFill>
@@ -3081,7 +3086,7 @@
             </a:ln>
             <a:extLst>
               <a:ext uri="{91240B29-F687-4f45-9708-019B960494DF}">
-                <a14:hiddenLine xmlns:a14="http://schemas.microsoft.com/office/drawing/2010/main" xmlns="" w="9525">
+                <a14:hiddenLine xmlns="" xmlns:a14="http://schemas.microsoft.com/office/drawing/2010/main" w="9525">
                   <a:solidFill>
                     <a:srgbClr val="000000"/>
                   </a:solidFill>
@@ -3171,7 +3176,7 @@
             </a:ln>
             <a:extLst>
               <a:ext uri="{91240B29-F687-4f45-9708-019B960494DF}">
-                <a14:hiddenLine xmlns:a14="http://schemas.microsoft.com/office/drawing/2010/main" xmlns="" w="9525">
+                <a14:hiddenLine xmlns="" xmlns:a14="http://schemas.microsoft.com/office/drawing/2010/main" w="9525">
                   <a:solidFill>
                     <a:srgbClr val="000000"/>
                   </a:solidFill>
@@ -3205,7 +3210,7 @@
             </a:ln>
             <a:extLst>
               <a:ext uri="{91240B29-F687-4f45-9708-019B960494DF}">
-                <a14:hiddenLine xmlns:a14="http://schemas.microsoft.com/office/drawing/2010/main" xmlns="" w="9525">
+                <a14:hiddenLine xmlns="" xmlns:a14="http://schemas.microsoft.com/office/drawing/2010/main" w="9525">
                   <a:solidFill>
                     <a:srgbClr val="000000"/>
                   </a:solidFill>
@@ -3270,7 +3275,7 @@
             </a:ln>
             <a:extLst>
               <a:ext uri="{91240B29-F687-4f45-9708-019B960494DF}">
-                <a14:hiddenLine xmlns:a14="http://schemas.microsoft.com/office/drawing/2010/main" xmlns="" w="9525">
+                <a14:hiddenLine xmlns="" xmlns:a14="http://schemas.microsoft.com/office/drawing/2010/main" w="9525">
                   <a:solidFill>
                     <a:srgbClr val="000000"/>
                   </a:solidFill>
@@ -3360,7 +3365,7 @@
             </a:ln>
             <a:extLst>
               <a:ext uri="{91240B29-F687-4f45-9708-019B960494DF}">
-                <a14:hiddenLine xmlns:a14="http://schemas.microsoft.com/office/drawing/2010/main" xmlns="" w="9525">
+                <a14:hiddenLine xmlns="" xmlns:a14="http://schemas.microsoft.com/office/drawing/2010/main" w="9525">
                   <a:solidFill>
                     <a:srgbClr val="000000"/>
                   </a:solidFill>
@@ -3422,7 +3427,7 @@
             </a:ln>
             <a:extLst>
               <a:ext uri="{91240B29-F687-4f45-9708-019B960494DF}">
-                <a14:hiddenLine xmlns:a14="http://schemas.microsoft.com/office/drawing/2010/main" xmlns="" w="9525">
+                <a14:hiddenLine xmlns="" xmlns:a14="http://schemas.microsoft.com/office/drawing/2010/main" w="9525">
                   <a:solidFill>
                     <a:srgbClr val="000000"/>
                   </a:solidFill>
@@ -3512,7 +3517,7 @@
             </a:ln>
             <a:extLst>
               <a:ext uri="{91240B29-F687-4f45-9708-019B960494DF}">
-                <a14:hiddenLine xmlns:a14="http://schemas.microsoft.com/office/drawing/2010/main" xmlns="" w="9525">
+                <a14:hiddenLine xmlns="" xmlns:a14="http://schemas.microsoft.com/office/drawing/2010/main" w="9525">
                   <a:solidFill>
                     <a:srgbClr val="000000"/>
                   </a:solidFill>
@@ -3602,7 +3607,7 @@
             </a:ln>
             <a:extLst>
               <a:ext uri="{91240B29-F687-4f45-9708-019B960494DF}">
-                <a14:hiddenLine xmlns:a14="http://schemas.microsoft.com/office/drawing/2010/main" xmlns="" w="9525">
+                <a14:hiddenLine xmlns="" xmlns:a14="http://schemas.microsoft.com/office/drawing/2010/main" w="9525">
                   <a:solidFill>
                     <a:srgbClr val="000000"/>
                   </a:solidFill>
@@ -3667,7 +3672,7 @@
             </a:ln>
             <a:extLst>
               <a:ext uri="{91240B29-F687-4f45-9708-019B960494DF}">
-                <a14:hiddenLine xmlns:a14="http://schemas.microsoft.com/office/drawing/2010/main" xmlns="" w="9525">
+                <a14:hiddenLine xmlns="" xmlns:a14="http://schemas.microsoft.com/office/drawing/2010/main" w="9525">
                   <a:solidFill>
                     <a:srgbClr val="000000"/>
                   </a:solidFill>
@@ -3729,7 +3734,7 @@
             </a:ln>
             <a:extLst>
               <a:ext uri="{91240B29-F687-4f45-9708-019B960494DF}">
-                <a14:hiddenLine xmlns:a14="http://schemas.microsoft.com/office/drawing/2010/main" xmlns="" w="9525">
+                <a14:hiddenLine xmlns="" xmlns:a14="http://schemas.microsoft.com/office/drawing/2010/main" w="9525">
                   <a:solidFill>
                     <a:srgbClr val="000000"/>
                   </a:solidFill>
@@ -3819,7 +3824,7 @@
             </a:ln>
             <a:extLst>
               <a:ext uri="{91240B29-F687-4f45-9708-019B960494DF}">
-                <a14:hiddenLine xmlns:a14="http://schemas.microsoft.com/office/drawing/2010/main" xmlns="" w="9525">
+                <a14:hiddenLine xmlns="" xmlns:a14="http://schemas.microsoft.com/office/drawing/2010/main" w="9525">
                   <a:solidFill>
                     <a:srgbClr val="000000"/>
                   </a:solidFill>
@@ -3909,7 +3914,7 @@
             </a:ln>
             <a:extLst>
               <a:ext uri="{91240B29-F687-4f45-9708-019B960494DF}">
-                <a14:hiddenLine xmlns:a14="http://schemas.microsoft.com/office/drawing/2010/main" xmlns="" w="9525">
+                <a14:hiddenLine xmlns="" xmlns:a14="http://schemas.microsoft.com/office/drawing/2010/main" w="9525">
                   <a:solidFill>
                     <a:srgbClr val="000000"/>
                   </a:solidFill>
@@ -3971,7 +3976,7 @@
             </a:ln>
             <a:extLst>
               <a:ext uri="{91240B29-F687-4f45-9708-019B960494DF}">
-                <a14:hiddenLine xmlns:a14="http://schemas.microsoft.com/office/drawing/2010/main" xmlns="" w="9525">
+                <a14:hiddenLine xmlns="" xmlns:a14="http://schemas.microsoft.com/office/drawing/2010/main" w="9525">
                   <a:solidFill>
                     <a:srgbClr val="000000"/>
                   </a:solidFill>
@@ -4091,7 +4096,7 @@
             </a:ln>
             <a:extLst>
               <a:ext uri="{91240B29-F687-4f45-9708-019B960494DF}">
-                <a14:hiddenLine xmlns:a14="http://schemas.microsoft.com/office/drawing/2010/main" xmlns="" w="9525">
+                <a14:hiddenLine xmlns="" xmlns:a14="http://schemas.microsoft.com/office/drawing/2010/main" w="9525">
                   <a:solidFill>
                     <a:srgbClr val="000000"/>
                   </a:solidFill>
@@ -4159,7 +4164,7 @@
             </a:ln>
             <a:extLst>
               <a:ext uri="{91240B29-F687-4f45-9708-019B960494DF}">
-                <a14:hiddenLine xmlns:a14="http://schemas.microsoft.com/office/drawing/2010/main" xmlns="" w="9525">
+                <a14:hiddenLine xmlns="" xmlns:a14="http://schemas.microsoft.com/office/drawing/2010/main" w="9525">
                   <a:solidFill>
                     <a:srgbClr val="000000"/>
                   </a:solidFill>
@@ -4249,7 +4254,7 @@
             </a:ln>
             <a:extLst>
               <a:ext uri="{91240B29-F687-4f45-9708-019B960494DF}">
-                <a14:hiddenLine xmlns:a14="http://schemas.microsoft.com/office/drawing/2010/main" xmlns="" w="9525">
+                <a14:hiddenLine xmlns="" xmlns:a14="http://schemas.microsoft.com/office/drawing/2010/main" w="9525">
                   <a:solidFill>
                     <a:srgbClr val="000000"/>
                   </a:solidFill>
@@ -4289,7 +4294,7 @@
           </a:lstStyle>
           <a:p>
             <a:r>
-              <a:rPr lang="en-US" smtClean="0"/>
+              <a:rPr lang="en-US"/>
               <a:t>Click to edit Master title style</a:t>
             </a:r>
             <a:endParaRPr lang="en-US" dirty="0"/>
@@ -4360,7 +4365,7 @@
           </a:lstStyle>
           <a:p>
             <a:r>
-              <a:rPr lang="en-US" smtClean="0"/>
+              <a:rPr lang="en-US"/>
               <a:t>Click to edit Master subtitle style</a:t>
             </a:r>
             <a:endParaRPr lang="en-US" dirty="0"/>
@@ -4389,7 +4394,7 @@
           <a:p>
             <a:fld id="{6F848232-DED2-4367-BD8F-E8FA741B3780}" type="datetimeFigureOut">
               <a:rPr lang="en-US" smtClean="0"/>
-              <a:t>10/23/2018</a:t>
+              <a:t>11/2/2018</a:t>
             </a:fld>
             <a:endParaRPr lang="en-US"/>
           </a:p>
@@ -4504,7 +4509,7 @@
           </a:lstStyle>
           <a:p>
             <a:r>
-              <a:rPr lang="en-US" smtClean="0"/>
+              <a:rPr lang="en-US"/>
               <a:t>Click to edit Master title style</a:t>
             </a:r>
             <a:endParaRPr lang="en-US" dirty="0"/>
@@ -4565,7 +4570,7 @@
               <a:buNone/>
             </a:pPr>
             <a:r>
-              <a:rPr lang="en-US" smtClean="0"/>
+              <a:rPr lang="en-US"/>
               <a:t>Click icon to add picture</a:t>
             </a:r>
             <a:endParaRPr lang="en-US" dirty="0"/>
@@ -4633,7 +4638,7 @@
           <a:p>
             <a:pPr lvl="0"/>
             <a:r>
-              <a:rPr lang="en-US" smtClean="0"/>
+              <a:rPr lang="en-US"/>
               <a:t>Click to edit Master text styles</a:t>
             </a:r>
           </a:p>
@@ -4656,7 +4661,7 @@
           <a:p>
             <a:fld id="{6F848232-DED2-4367-BD8F-E8FA741B3780}" type="datetimeFigureOut">
               <a:rPr lang="en-US" smtClean="0"/>
-              <a:t>10/23/2018</a:t>
+              <a:t>11/2/2018</a:t>
             </a:fld>
             <a:endParaRPr lang="en-US"/>
           </a:p>
@@ -4761,7 +4766,7 @@
           </a:lstStyle>
           <a:p>
             <a:r>
-              <a:rPr lang="en-US" smtClean="0"/>
+              <a:rPr lang="en-US"/>
               <a:t>Click to edit Master title style</a:t>
             </a:r>
             <a:endParaRPr lang="en-US" dirty="0"/>
@@ -4829,7 +4834,7 @@
           <a:p>
             <a:pPr lvl="0"/>
             <a:r>
-              <a:rPr lang="en-US" smtClean="0"/>
+              <a:rPr lang="en-US"/>
               <a:t>Click to edit Master text styles</a:t>
             </a:r>
           </a:p>
@@ -4852,7 +4857,7 @@
           <a:p>
             <a:fld id="{6F848232-DED2-4367-BD8F-E8FA741B3780}" type="datetimeFigureOut">
               <a:rPr lang="en-US" smtClean="0"/>
-              <a:t>10/23/2018</a:t>
+              <a:t>11/2/2018</a:t>
             </a:fld>
             <a:endParaRPr lang="en-US"/>
           </a:p>
@@ -4957,7 +4962,7 @@
           </a:lstStyle>
           <a:p>
             <a:r>
-              <a:rPr lang="en-US" smtClean="0"/>
+              <a:rPr lang="en-US"/>
               <a:t>Click to edit Master title style</a:t>
             </a:r>
             <a:endParaRPr lang="en-US" dirty="0"/>
@@ -5025,7 +5030,7 @@
           <a:p>
             <a:pPr lvl="0"/>
             <a:r>
-              <a:rPr lang="en-US" smtClean="0"/>
+              <a:rPr lang="en-US"/>
               <a:t>Click to edit Master text styles</a:t>
             </a:r>
           </a:p>
@@ -5092,7 +5097,7 @@
           <a:p>
             <a:pPr lvl="0"/>
             <a:r>
-              <a:rPr lang="en-US" smtClean="0"/>
+              <a:rPr lang="en-US"/>
               <a:t>Click to edit Master text styles</a:t>
             </a:r>
           </a:p>
@@ -5115,7 +5120,7 @@
           <a:p>
             <a:fld id="{6F848232-DED2-4367-BD8F-E8FA741B3780}" type="datetimeFigureOut">
               <a:rPr lang="en-US" smtClean="0"/>
-              <a:t>10/23/2018</a:t>
+              <a:t>11/2/2018</a:t>
             </a:fld>
             <a:endParaRPr lang="en-US"/>
           </a:p>
@@ -5458,7 +5463,7 @@
           </a:lstStyle>
           <a:p>
             <a:r>
-              <a:rPr lang="en-US" smtClean="0"/>
+              <a:rPr lang="en-US"/>
               <a:t>Click to edit Master title style</a:t>
             </a:r>
             <a:endParaRPr lang="en-US" dirty="0"/>
@@ -5526,7 +5531,7 @@
           <a:p>
             <a:pPr lvl="0"/>
             <a:r>
-              <a:rPr lang="en-US" smtClean="0"/>
+              <a:rPr lang="en-US"/>
               <a:t>Click to edit Master text styles</a:t>
             </a:r>
           </a:p>
@@ -5549,7 +5554,7 @@
           <a:p>
             <a:fld id="{6F848232-DED2-4367-BD8F-E8FA741B3780}" type="datetimeFigureOut">
               <a:rPr lang="en-US" smtClean="0"/>
-              <a:t>10/23/2018</a:t>
+              <a:t>11/2/2018</a:t>
             </a:fld>
             <a:endParaRPr lang="en-US"/>
           </a:p>
@@ -5648,7 +5653,7 @@
           <a:lstStyle/>
           <a:p>
             <a:r>
-              <a:rPr lang="en-US" smtClean="0"/>
+              <a:rPr lang="en-US"/>
               <a:t>Click to edit Master title style</a:t>
             </a:r>
             <a:endParaRPr lang="en-US" dirty="0"/>
@@ -5723,7 +5728,7 @@
           <a:p>
             <a:pPr lvl="0"/>
             <a:r>
-              <a:rPr lang="en-US" smtClean="0"/>
+              <a:rPr lang="en-US"/>
               <a:t>Click to edit Master text styles</a:t>
             </a:r>
           </a:p>
@@ -5790,7 +5795,7 @@
           <a:p>
             <a:pPr lvl="0"/>
             <a:r>
-              <a:rPr lang="en-US" smtClean="0"/>
+              <a:rPr lang="en-US"/>
               <a:t>Click to edit Master text styles</a:t>
             </a:r>
           </a:p>
@@ -5864,7 +5869,7 @@
           <a:p>
             <a:pPr lvl="0"/>
             <a:r>
-              <a:rPr lang="en-US" smtClean="0"/>
+              <a:rPr lang="en-US"/>
               <a:t>Click to edit Master text styles</a:t>
             </a:r>
           </a:p>
@@ -5931,7 +5936,7 @@
           <a:p>
             <a:pPr lvl="0"/>
             <a:r>
-              <a:rPr lang="en-US" smtClean="0"/>
+              <a:rPr lang="en-US"/>
               <a:t>Click to edit Master text styles</a:t>
             </a:r>
           </a:p>
@@ -6005,7 +6010,7 @@
           <a:p>
             <a:pPr lvl="0"/>
             <a:r>
-              <a:rPr lang="en-US" smtClean="0"/>
+              <a:rPr lang="en-US"/>
               <a:t>Click to edit Master text styles</a:t>
             </a:r>
           </a:p>
@@ -6072,7 +6077,7 @@
           <a:p>
             <a:pPr lvl="0"/>
             <a:r>
-              <a:rPr lang="en-US" smtClean="0"/>
+              <a:rPr lang="en-US"/>
               <a:t>Click to edit Master text styles</a:t>
             </a:r>
           </a:p>
@@ -6095,7 +6100,7 @@
           <a:p>
             <a:fld id="{6F848232-DED2-4367-BD8F-E8FA741B3780}" type="datetimeFigureOut">
               <a:rPr lang="en-US" smtClean="0"/>
-              <a:t>10/23/2018</a:t>
+              <a:t>11/2/2018</a:t>
             </a:fld>
             <a:endParaRPr lang="en-US"/>
           </a:p>
@@ -6194,7 +6199,7 @@
           <a:lstStyle/>
           <a:p>
             <a:r>
-              <a:rPr lang="en-US" smtClean="0"/>
+              <a:rPr lang="en-US"/>
               <a:t>Click to edit Master title style</a:t>
             </a:r>
             <a:endParaRPr lang="en-US" dirty="0"/>
@@ -6269,7 +6274,7 @@
           <a:p>
             <a:pPr lvl="0"/>
             <a:r>
-              <a:rPr lang="en-US" smtClean="0"/>
+              <a:rPr lang="en-US"/>
               <a:t>Click to edit Master text styles</a:t>
             </a:r>
           </a:p>
@@ -6326,7 +6331,7 @@
               <a:buNone/>
             </a:pPr>
             <a:r>
-              <a:rPr lang="en-US" smtClean="0"/>
+              <a:rPr lang="en-US"/>
               <a:t>Click icon to add picture</a:t>
             </a:r>
             <a:endParaRPr lang="en-US" dirty="0"/>
@@ -6394,7 +6399,7 @@
           <a:p>
             <a:pPr lvl="0"/>
             <a:r>
-              <a:rPr lang="en-US" smtClean="0"/>
+              <a:rPr lang="en-US"/>
               <a:t>Click to edit Master text styles</a:t>
             </a:r>
           </a:p>
@@ -6468,7 +6473,7 @@
           <a:p>
             <a:pPr lvl="0"/>
             <a:r>
-              <a:rPr lang="en-US" smtClean="0"/>
+              <a:rPr lang="en-US"/>
               <a:t>Click to edit Master text styles</a:t>
             </a:r>
           </a:p>
@@ -6525,7 +6530,7 @@
               <a:buNone/>
             </a:pPr>
             <a:r>
-              <a:rPr lang="en-US" smtClean="0"/>
+              <a:rPr lang="en-US"/>
               <a:t>Click icon to add picture</a:t>
             </a:r>
             <a:endParaRPr lang="en-US" dirty="0"/>
@@ -6593,7 +6598,7 @@
           <a:p>
             <a:pPr lvl="0"/>
             <a:r>
-              <a:rPr lang="en-US" smtClean="0"/>
+              <a:rPr lang="en-US"/>
               <a:t>Click to edit Master text styles</a:t>
             </a:r>
           </a:p>
@@ -6667,7 +6672,7 @@
           <a:p>
             <a:pPr lvl="0"/>
             <a:r>
-              <a:rPr lang="en-US" smtClean="0"/>
+              <a:rPr lang="en-US"/>
               <a:t>Click to edit Master text styles</a:t>
             </a:r>
           </a:p>
@@ -6724,7 +6729,7 @@
               <a:buNone/>
             </a:pPr>
             <a:r>
-              <a:rPr lang="en-US" smtClean="0"/>
+              <a:rPr lang="en-US"/>
               <a:t>Click icon to add picture</a:t>
             </a:r>
             <a:endParaRPr lang="en-US" dirty="0"/>
@@ -6792,7 +6797,7 @@
           <a:p>
             <a:pPr lvl="0"/>
             <a:r>
-              <a:rPr lang="en-US" smtClean="0"/>
+              <a:rPr lang="en-US"/>
               <a:t>Click to edit Master text styles</a:t>
             </a:r>
           </a:p>
@@ -6815,7 +6820,7 @@
           <a:p>
             <a:fld id="{6F848232-DED2-4367-BD8F-E8FA741B3780}" type="datetimeFigureOut">
               <a:rPr lang="en-US" smtClean="0"/>
-              <a:t>10/23/2018</a:t>
+              <a:t>11/2/2018</a:t>
             </a:fld>
             <a:endParaRPr lang="en-US"/>
           </a:p>
@@ -6909,7 +6914,7 @@
           <a:lstStyle/>
           <a:p>
             <a:r>
-              <a:rPr lang="en-US" smtClean="0"/>
+              <a:rPr lang="en-US"/>
               <a:t>Click to edit Master title style</a:t>
             </a:r>
             <a:endParaRPr lang="en-US" dirty="0"/>
@@ -6933,35 +6938,35 @@
           <a:p>
             <a:pPr lvl="0"/>
             <a:r>
-              <a:rPr lang="en-US" smtClean="0"/>
+              <a:rPr lang="en-US"/>
               <a:t>Click to edit Master text styles</a:t>
             </a:r>
           </a:p>
           <a:p>
             <a:pPr lvl="1"/>
             <a:r>
-              <a:rPr lang="en-US" smtClean="0"/>
+              <a:rPr lang="en-US"/>
               <a:t>Second level</a:t>
             </a:r>
           </a:p>
           <a:p>
             <a:pPr lvl="2"/>
             <a:r>
-              <a:rPr lang="en-US" smtClean="0"/>
+              <a:rPr lang="en-US"/>
               <a:t>Third level</a:t>
             </a:r>
           </a:p>
           <a:p>
             <a:pPr lvl="3"/>
             <a:r>
-              <a:rPr lang="en-US" smtClean="0"/>
+              <a:rPr lang="en-US"/>
               <a:t>Fourth level</a:t>
             </a:r>
           </a:p>
           <a:p>
             <a:pPr lvl="4"/>
             <a:r>
-              <a:rPr lang="en-US" smtClean="0"/>
+              <a:rPr lang="en-US"/>
               <a:t>Fifth level</a:t>
             </a:r>
             <a:endParaRPr lang="en-US" dirty="0"/>
@@ -6985,7 +6990,7 @@
           <a:p>
             <a:fld id="{6F848232-DED2-4367-BD8F-E8FA741B3780}" type="datetimeFigureOut">
               <a:rPr lang="en-US" smtClean="0"/>
-              <a:t>10/23/2018</a:t>
+              <a:t>11/2/2018</a:t>
             </a:fld>
             <a:endParaRPr lang="en-US"/>
           </a:p>
@@ -7084,7 +7089,7 @@
           <a:lstStyle/>
           <a:p>
             <a:r>
-              <a:rPr lang="en-US" smtClean="0"/>
+              <a:rPr lang="en-US"/>
               <a:t>Click to edit Master title style</a:t>
             </a:r>
             <a:endParaRPr lang="en-US" dirty="0"/>
@@ -7113,35 +7118,35 @@
           <a:p>
             <a:pPr lvl="0"/>
             <a:r>
-              <a:rPr lang="en-US" smtClean="0"/>
+              <a:rPr lang="en-US"/>
               <a:t>Click to edit Master text styles</a:t>
             </a:r>
           </a:p>
           <a:p>
             <a:pPr lvl="1"/>
             <a:r>
-              <a:rPr lang="en-US" smtClean="0"/>
+              <a:rPr lang="en-US"/>
               <a:t>Second level</a:t>
             </a:r>
           </a:p>
           <a:p>
             <a:pPr lvl="2"/>
             <a:r>
-              <a:rPr lang="en-US" smtClean="0"/>
+              <a:rPr lang="en-US"/>
               <a:t>Third level</a:t>
             </a:r>
           </a:p>
           <a:p>
             <a:pPr lvl="3"/>
             <a:r>
-              <a:rPr lang="en-US" smtClean="0"/>
+              <a:rPr lang="en-US"/>
               <a:t>Fourth level</a:t>
             </a:r>
           </a:p>
           <a:p>
             <a:pPr lvl="4"/>
             <a:r>
-              <a:rPr lang="en-US" smtClean="0"/>
+              <a:rPr lang="en-US"/>
               <a:t>Fifth level</a:t>
             </a:r>
             <a:endParaRPr lang="en-US" dirty="0"/>
@@ -7165,7 +7170,7 @@
           <a:p>
             <a:fld id="{6F848232-DED2-4367-BD8F-E8FA741B3780}" type="datetimeFigureOut">
               <a:rPr lang="en-US" smtClean="0"/>
-              <a:t>10/23/2018</a:t>
+              <a:t>11/2/2018</a:t>
             </a:fld>
             <a:endParaRPr lang="en-US"/>
           </a:p>
@@ -7259,7 +7264,7 @@
           <a:lstStyle/>
           <a:p>
             <a:r>
-              <a:rPr lang="en-US" smtClean="0"/>
+              <a:rPr lang="en-US"/>
               <a:t>Click to edit Master title style</a:t>
             </a:r>
             <a:endParaRPr lang="en-US" dirty="0"/>
@@ -7283,35 +7288,35 @@
           <a:p>
             <a:pPr lvl="0"/>
             <a:r>
-              <a:rPr lang="en-US" smtClean="0"/>
+              <a:rPr lang="en-US"/>
               <a:t>Click to edit Master text styles</a:t>
             </a:r>
           </a:p>
           <a:p>
             <a:pPr lvl="1"/>
             <a:r>
-              <a:rPr lang="en-US" smtClean="0"/>
+              <a:rPr lang="en-US"/>
               <a:t>Second level</a:t>
             </a:r>
           </a:p>
           <a:p>
             <a:pPr lvl="2"/>
             <a:r>
-              <a:rPr lang="en-US" smtClean="0"/>
+              <a:rPr lang="en-US"/>
               <a:t>Third level</a:t>
             </a:r>
           </a:p>
           <a:p>
             <a:pPr lvl="3"/>
             <a:r>
-              <a:rPr lang="en-US" smtClean="0"/>
+              <a:rPr lang="en-US"/>
               <a:t>Fourth level</a:t>
             </a:r>
           </a:p>
           <a:p>
             <a:pPr lvl="4"/>
             <a:r>
-              <a:rPr lang="en-US" smtClean="0"/>
+              <a:rPr lang="en-US"/>
               <a:t>Fifth level</a:t>
             </a:r>
             <a:endParaRPr lang="en-US" dirty="0"/>
@@ -7335,7 +7340,7 @@
           <a:p>
             <a:fld id="{6F848232-DED2-4367-BD8F-E8FA741B3780}" type="datetimeFigureOut">
               <a:rPr lang="en-US" smtClean="0"/>
-              <a:t>10/23/2018</a:t>
+              <a:t>11/2/2018</a:t>
             </a:fld>
             <a:endParaRPr lang="en-US"/>
           </a:p>
@@ -7440,7 +7445,7 @@
           </a:lstStyle>
           <a:p>
             <a:r>
-              <a:rPr lang="en-US" smtClean="0"/>
+              <a:rPr lang="en-US"/>
               <a:t>Click to edit Master title style</a:t>
             </a:r>
             <a:endParaRPr lang="en-US" dirty="0"/>
@@ -7562,7 +7567,7 @@
           <a:p>
             <a:pPr lvl="0"/>
             <a:r>
-              <a:rPr lang="en-US" smtClean="0"/>
+              <a:rPr lang="en-US"/>
               <a:t>Click to edit Master text styles</a:t>
             </a:r>
           </a:p>
@@ -7585,7 +7590,7 @@
           <a:p>
             <a:fld id="{6F848232-DED2-4367-BD8F-E8FA741B3780}" type="datetimeFigureOut">
               <a:rPr lang="en-US" smtClean="0"/>
-              <a:t>10/23/2018</a:t>
+              <a:t>11/2/2018</a:t>
             </a:fld>
             <a:endParaRPr lang="en-US"/>
           </a:p>
@@ -7679,7 +7684,7 @@
           <a:lstStyle/>
           <a:p>
             <a:r>
-              <a:rPr lang="en-US" smtClean="0"/>
+              <a:rPr lang="en-US"/>
               <a:t>Click to edit Master title style</a:t>
             </a:r>
             <a:endParaRPr lang="en-US" dirty="0"/>
@@ -7708,35 +7713,35 @@
           <a:p>
             <a:pPr lvl="0"/>
             <a:r>
-              <a:rPr lang="en-US" smtClean="0"/>
+              <a:rPr lang="en-US"/>
               <a:t>Click to edit Master text styles</a:t>
             </a:r>
           </a:p>
           <a:p>
             <a:pPr lvl="1"/>
             <a:r>
-              <a:rPr lang="en-US" smtClean="0"/>
+              <a:rPr lang="en-US"/>
               <a:t>Second level</a:t>
             </a:r>
           </a:p>
           <a:p>
             <a:pPr lvl="2"/>
             <a:r>
-              <a:rPr lang="en-US" smtClean="0"/>
+              <a:rPr lang="en-US"/>
               <a:t>Third level</a:t>
             </a:r>
           </a:p>
           <a:p>
             <a:pPr lvl="3"/>
             <a:r>
-              <a:rPr lang="en-US" smtClean="0"/>
+              <a:rPr lang="en-US"/>
               <a:t>Fourth level</a:t>
             </a:r>
           </a:p>
           <a:p>
             <a:pPr lvl="4"/>
             <a:r>
-              <a:rPr lang="en-US" smtClean="0"/>
+              <a:rPr lang="en-US"/>
               <a:t>Fifth level</a:t>
             </a:r>
             <a:endParaRPr lang="en-US" dirty="0"/>
@@ -7765,35 +7770,35 @@
           <a:p>
             <a:pPr lvl="0"/>
             <a:r>
-              <a:rPr lang="en-US" smtClean="0"/>
+              <a:rPr lang="en-US"/>
               <a:t>Click to edit Master text styles</a:t>
             </a:r>
           </a:p>
           <a:p>
             <a:pPr lvl="1"/>
             <a:r>
-              <a:rPr lang="en-US" smtClean="0"/>
+              <a:rPr lang="en-US"/>
               <a:t>Second level</a:t>
             </a:r>
           </a:p>
           <a:p>
             <a:pPr lvl="2"/>
             <a:r>
-              <a:rPr lang="en-US" smtClean="0"/>
+              <a:rPr lang="en-US"/>
               <a:t>Third level</a:t>
             </a:r>
           </a:p>
           <a:p>
             <a:pPr lvl="3"/>
             <a:r>
-              <a:rPr lang="en-US" smtClean="0"/>
+              <a:rPr lang="en-US"/>
               <a:t>Fourth level</a:t>
             </a:r>
           </a:p>
           <a:p>
             <a:pPr lvl="4"/>
             <a:r>
-              <a:rPr lang="en-US" smtClean="0"/>
+              <a:rPr lang="en-US"/>
               <a:t>Fifth level</a:t>
             </a:r>
             <a:endParaRPr lang="en-US" dirty="0"/>
@@ -7817,7 +7822,7 @@
           <a:p>
             <a:fld id="{6F848232-DED2-4367-BD8F-E8FA741B3780}" type="datetimeFigureOut">
               <a:rPr lang="en-US" smtClean="0"/>
-              <a:t>10/23/2018</a:t>
+              <a:t>11/2/2018</a:t>
             </a:fld>
             <a:endParaRPr lang="en-US"/>
           </a:p>
@@ -7916,7 +7921,7 @@
           <a:lstStyle/>
           <a:p>
             <a:r>
-              <a:rPr lang="en-US" smtClean="0"/>
+              <a:rPr lang="en-US"/>
               <a:t>Click to edit Master title style</a:t>
             </a:r>
             <a:endParaRPr lang="en-US" dirty="0"/>
@@ -7989,7 +7994,7 @@
           <a:p>
             <a:pPr lvl="0"/>
             <a:r>
-              <a:rPr lang="en-US" smtClean="0"/>
+              <a:rPr lang="en-US"/>
               <a:t>Click to edit Master text styles</a:t>
             </a:r>
           </a:p>
@@ -8017,35 +8022,35 @@
           <a:p>
             <a:pPr lvl="0"/>
             <a:r>
-              <a:rPr lang="en-US" smtClean="0"/>
+              <a:rPr lang="en-US"/>
               <a:t>Click to edit Master text styles</a:t>
             </a:r>
           </a:p>
           <a:p>
             <a:pPr lvl="1"/>
             <a:r>
-              <a:rPr lang="en-US" smtClean="0"/>
+              <a:rPr lang="en-US"/>
               <a:t>Second level</a:t>
             </a:r>
           </a:p>
           <a:p>
             <a:pPr lvl="2"/>
             <a:r>
-              <a:rPr lang="en-US" smtClean="0"/>
+              <a:rPr lang="en-US"/>
               <a:t>Third level</a:t>
             </a:r>
           </a:p>
           <a:p>
             <a:pPr lvl="3"/>
             <a:r>
-              <a:rPr lang="en-US" smtClean="0"/>
+              <a:rPr lang="en-US"/>
               <a:t>Fourth level</a:t>
             </a:r>
           </a:p>
           <a:p>
             <a:pPr lvl="4"/>
             <a:r>
-              <a:rPr lang="en-US" smtClean="0"/>
+              <a:rPr lang="en-US"/>
               <a:t>Fifth level</a:t>
             </a:r>
             <a:endParaRPr lang="en-US" dirty="0"/>
@@ -8118,7 +8123,7 @@
           <a:p>
             <a:pPr lvl="0"/>
             <a:r>
-              <a:rPr lang="en-US" smtClean="0"/>
+              <a:rPr lang="en-US"/>
               <a:t>Click to edit Master text styles</a:t>
             </a:r>
           </a:p>
@@ -8146,35 +8151,35 @@
           <a:p>
             <a:pPr lvl="0"/>
             <a:r>
-              <a:rPr lang="en-US" smtClean="0"/>
+              <a:rPr lang="en-US"/>
               <a:t>Click to edit Master text styles</a:t>
             </a:r>
           </a:p>
           <a:p>
             <a:pPr lvl="1"/>
             <a:r>
-              <a:rPr lang="en-US" smtClean="0"/>
+              <a:rPr lang="en-US"/>
               <a:t>Second level</a:t>
             </a:r>
           </a:p>
           <a:p>
             <a:pPr lvl="2"/>
             <a:r>
-              <a:rPr lang="en-US" smtClean="0"/>
+              <a:rPr lang="en-US"/>
               <a:t>Third level</a:t>
             </a:r>
           </a:p>
           <a:p>
             <a:pPr lvl="3"/>
             <a:r>
-              <a:rPr lang="en-US" smtClean="0"/>
+              <a:rPr lang="en-US"/>
               <a:t>Fourth level</a:t>
             </a:r>
           </a:p>
           <a:p>
             <a:pPr lvl="4"/>
             <a:r>
-              <a:rPr lang="en-US" smtClean="0"/>
+              <a:rPr lang="en-US"/>
               <a:t>Fifth level</a:t>
             </a:r>
             <a:endParaRPr lang="en-US" dirty="0"/>
@@ -8198,7 +8203,7 @@
           <a:p>
             <a:fld id="{6F848232-DED2-4367-BD8F-E8FA741B3780}" type="datetimeFigureOut">
               <a:rPr lang="en-US" smtClean="0"/>
-              <a:t>10/23/2018</a:t>
+              <a:t>11/2/2018</a:t>
             </a:fld>
             <a:endParaRPr lang="en-US"/>
           </a:p>
@@ -8292,7 +8297,7 @@
           <a:lstStyle/>
           <a:p>
             <a:r>
-              <a:rPr lang="en-US" smtClean="0"/>
+              <a:rPr lang="en-US"/>
               <a:t>Click to edit Master title style</a:t>
             </a:r>
             <a:endParaRPr lang="en-US" dirty="0"/>
@@ -8316,7 +8321,7 @@
           <a:p>
             <a:fld id="{6F848232-DED2-4367-BD8F-E8FA741B3780}" type="datetimeFigureOut">
               <a:rPr lang="en-US" smtClean="0"/>
-              <a:t>10/23/2018</a:t>
+              <a:t>11/2/2018</a:t>
             </a:fld>
             <a:endParaRPr lang="en-US"/>
           </a:p>
@@ -8411,7 +8416,7 @@
           <a:p>
             <a:fld id="{6F848232-DED2-4367-BD8F-E8FA741B3780}" type="datetimeFigureOut">
               <a:rPr lang="en-US" smtClean="0"/>
-              <a:t>10/23/2018</a:t>
+              <a:t>11/2/2018</a:t>
             </a:fld>
             <a:endParaRPr lang="en-US"/>
           </a:p>
@@ -8514,7 +8519,7 @@
           </a:lstStyle>
           <a:p>
             <a:r>
-              <a:rPr lang="en-US" smtClean="0"/>
+              <a:rPr lang="en-US"/>
               <a:t>Click to edit Master title style</a:t>
             </a:r>
             <a:endParaRPr lang="en-US" dirty="0"/>
@@ -8543,35 +8548,35 @@
           <a:p>
             <a:pPr lvl="0"/>
             <a:r>
-              <a:rPr lang="en-US" smtClean="0"/>
+              <a:rPr lang="en-US"/>
               <a:t>Click to edit Master text styles</a:t>
             </a:r>
           </a:p>
           <a:p>
             <a:pPr lvl="1"/>
             <a:r>
-              <a:rPr lang="en-US" smtClean="0"/>
+              <a:rPr lang="en-US"/>
               <a:t>Second level</a:t>
             </a:r>
           </a:p>
           <a:p>
             <a:pPr lvl="2"/>
             <a:r>
-              <a:rPr lang="en-US" smtClean="0"/>
+              <a:rPr lang="en-US"/>
               <a:t>Third level</a:t>
             </a:r>
           </a:p>
           <a:p>
             <a:pPr lvl="3"/>
             <a:r>
-              <a:rPr lang="en-US" smtClean="0"/>
+              <a:rPr lang="en-US"/>
               <a:t>Fourth level</a:t>
             </a:r>
           </a:p>
           <a:p>
             <a:pPr lvl="4"/>
             <a:r>
-              <a:rPr lang="en-US" smtClean="0"/>
+              <a:rPr lang="en-US"/>
               <a:t>Fifth level</a:t>
             </a:r>
             <a:endParaRPr lang="en-US" dirty="0"/>
@@ -8637,7 +8642,7 @@
           <a:p>
             <a:pPr lvl="0"/>
             <a:r>
-              <a:rPr lang="en-US" smtClean="0"/>
+              <a:rPr lang="en-US"/>
               <a:t>Click to edit Master text styles</a:t>
             </a:r>
           </a:p>
@@ -8660,7 +8665,7 @@
           <a:p>
             <a:fld id="{6F848232-DED2-4367-BD8F-E8FA741B3780}" type="datetimeFigureOut">
               <a:rPr lang="en-US" smtClean="0"/>
-              <a:t>10/23/2018</a:t>
+              <a:t>11/2/2018</a:t>
             </a:fld>
             <a:endParaRPr lang="en-US"/>
           </a:p>
@@ -8763,7 +8768,7 @@
           </a:lstStyle>
           <a:p>
             <a:r>
-              <a:rPr lang="en-US" smtClean="0"/>
+              <a:rPr lang="en-US"/>
               <a:t>Click to edit Master title style</a:t>
             </a:r>
             <a:endParaRPr lang="en-US" dirty="0"/>
@@ -8851,7 +8856,7 @@
           </a:lstStyle>
           <a:p>
             <a:r>
-              <a:rPr lang="en-US" smtClean="0"/>
+              <a:rPr lang="en-US"/>
               <a:t>Click icon to add picture</a:t>
             </a:r>
             <a:endParaRPr lang="en-US" dirty="0"/>
@@ -8917,7 +8922,7 @@
           <a:p>
             <a:pPr lvl="0"/>
             <a:r>
-              <a:rPr lang="en-US" smtClean="0"/>
+              <a:rPr lang="en-US"/>
               <a:t>Click to edit Master text styles</a:t>
             </a:r>
           </a:p>
@@ -8940,7 +8945,7 @@
           <a:p>
             <a:fld id="{6F848232-DED2-4367-BD8F-E8FA741B3780}" type="datetimeFigureOut">
               <a:rPr lang="en-US" smtClean="0"/>
-              <a:t>10/23/2018</a:t>
+              <a:t>11/2/2018</a:t>
             </a:fld>
             <a:endParaRPr lang="en-US"/>
           </a:p>
@@ -9056,7 +9061,7 @@
           <a:noFill/>
           <a:extLst>
             <a:ext uri="{909E8E84-426E-40dd-AFC4-6F175D3DCCD1}">
-              <a14:hiddenFill xmlns:a14="http://schemas.microsoft.com/office/drawing/2010/main" xmlns="">
+              <a14:hiddenFill xmlns="" xmlns:a14="http://schemas.microsoft.com/office/drawing/2010/main">
                 <a:solidFill>
                   <a:srgbClr val="FFFFFF"/>
                 </a:solidFill>
@@ -9130,7 +9135,7 @@
               </a:ln>
               <a:extLst>
                 <a:ext uri="{91240B29-F687-4f45-9708-019B960494DF}">
-                  <a14:hiddenLine xmlns:a14="http://schemas.microsoft.com/office/drawing/2010/main" xmlns="" w="9525">
+                  <a14:hiddenLine xmlns="" xmlns:a14="http://schemas.microsoft.com/office/drawing/2010/main" w="9525">
                     <a:solidFill>
                       <a:srgbClr val="000000"/>
                     </a:solidFill>
@@ -9220,7 +9225,7 @@
               </a:ln>
               <a:extLst>
                 <a:ext uri="{91240B29-F687-4f45-9708-019B960494DF}">
-                  <a14:hiddenLine xmlns:a14="http://schemas.microsoft.com/office/drawing/2010/main" xmlns="" w="9525">
+                  <a14:hiddenLine xmlns="" xmlns:a14="http://schemas.microsoft.com/office/drawing/2010/main" w="9525">
                     <a:solidFill>
                       <a:srgbClr val="000000"/>
                     </a:solidFill>
@@ -9310,7 +9315,7 @@
               </a:ln>
               <a:extLst>
                 <a:ext uri="{91240B29-F687-4f45-9708-019B960494DF}">
-                  <a14:hiddenLine xmlns:a14="http://schemas.microsoft.com/office/drawing/2010/main" xmlns="" w="9525">
+                  <a14:hiddenLine xmlns="" xmlns:a14="http://schemas.microsoft.com/office/drawing/2010/main" w="9525">
                     <a:solidFill>
                       <a:srgbClr val="000000"/>
                     </a:solidFill>
@@ -9372,7 +9377,7 @@
               </a:ln>
               <a:extLst>
                 <a:ext uri="{91240B29-F687-4f45-9708-019B960494DF}">
-                  <a14:hiddenLine xmlns:a14="http://schemas.microsoft.com/office/drawing/2010/main" xmlns="" w="9525">
+                  <a14:hiddenLine xmlns="" xmlns:a14="http://schemas.microsoft.com/office/drawing/2010/main" w="9525">
                     <a:solidFill>
                       <a:srgbClr val="000000"/>
                     </a:solidFill>
@@ -9462,7 +9467,7 @@
               </a:ln>
               <a:extLst>
                 <a:ext uri="{91240B29-F687-4f45-9708-019B960494DF}">
-                  <a14:hiddenLine xmlns:a14="http://schemas.microsoft.com/office/drawing/2010/main" xmlns="" w="9525">
+                  <a14:hiddenLine xmlns="" xmlns:a14="http://schemas.microsoft.com/office/drawing/2010/main" w="9525">
                     <a:solidFill>
                       <a:srgbClr val="000000"/>
                     </a:solidFill>
@@ -9524,7 +9529,7 @@
               </a:ln>
               <a:extLst>
                 <a:ext uri="{91240B29-F687-4f45-9708-019B960494DF}">
-                  <a14:hiddenLine xmlns:a14="http://schemas.microsoft.com/office/drawing/2010/main" xmlns="" w="9525">
+                  <a14:hiddenLine xmlns="" xmlns:a14="http://schemas.microsoft.com/office/drawing/2010/main" w="9525">
                     <a:solidFill>
                       <a:srgbClr val="000000"/>
                     </a:solidFill>
@@ -9586,7 +9591,7 @@
               </a:ln>
               <a:extLst>
                 <a:ext uri="{91240B29-F687-4f45-9708-019B960494DF}">
-                  <a14:hiddenLine xmlns:a14="http://schemas.microsoft.com/office/drawing/2010/main" xmlns="" w="9525">
+                  <a14:hiddenLine xmlns="" xmlns:a14="http://schemas.microsoft.com/office/drawing/2010/main" w="9525">
                     <a:solidFill>
                       <a:srgbClr val="000000"/>
                     </a:solidFill>
@@ -9676,7 +9681,7 @@
               </a:ln>
               <a:extLst>
                 <a:ext uri="{91240B29-F687-4f45-9708-019B960494DF}">
-                  <a14:hiddenLine xmlns:a14="http://schemas.microsoft.com/office/drawing/2010/main" xmlns="" w="9525">
+                  <a14:hiddenLine xmlns="" xmlns:a14="http://schemas.microsoft.com/office/drawing/2010/main" w="9525">
                     <a:solidFill>
                       <a:srgbClr val="000000"/>
                     </a:solidFill>
@@ -9766,7 +9771,7 @@
               </a:ln>
               <a:extLst>
                 <a:ext uri="{91240B29-F687-4f45-9708-019B960494DF}">
-                  <a14:hiddenLine xmlns:a14="http://schemas.microsoft.com/office/drawing/2010/main" xmlns="" w="9525">
+                  <a14:hiddenLine xmlns="" xmlns:a14="http://schemas.microsoft.com/office/drawing/2010/main" w="9525">
                     <a:solidFill>
                       <a:srgbClr val="000000"/>
                     </a:solidFill>
@@ -9828,7 +9833,7 @@
               </a:ln>
               <a:extLst>
                 <a:ext uri="{91240B29-F687-4f45-9708-019B960494DF}">
-                  <a14:hiddenLine xmlns:a14="http://schemas.microsoft.com/office/drawing/2010/main" xmlns="" w="9525">
+                  <a14:hiddenLine xmlns="" xmlns:a14="http://schemas.microsoft.com/office/drawing/2010/main" w="9525">
                     <a:solidFill>
                       <a:srgbClr val="000000"/>
                     </a:solidFill>
@@ -9938,7 +9943,7 @@
               </a:ln>
               <a:extLst>
                 <a:ext uri="{91240B29-F687-4f45-9708-019B960494DF}">
-                  <a14:hiddenLine xmlns:a14="http://schemas.microsoft.com/office/drawing/2010/main" xmlns="" w="9525">
+                  <a14:hiddenLine xmlns="" xmlns:a14="http://schemas.microsoft.com/office/drawing/2010/main" w="9525">
                     <a:solidFill>
                       <a:srgbClr val="000000"/>
                     </a:solidFill>
@@ -10022,7 +10027,7 @@
               </a:ln>
               <a:extLst>
                 <a:ext uri="{91240B29-F687-4f45-9708-019B960494DF}">
-                  <a14:hiddenLine xmlns:a14="http://schemas.microsoft.com/office/drawing/2010/main" xmlns="" w="9525">
+                  <a14:hiddenLine xmlns="" xmlns:a14="http://schemas.microsoft.com/office/drawing/2010/main" w="9525">
                     <a:solidFill>
                       <a:srgbClr val="000000"/>
                     </a:solidFill>
@@ -10084,7 +10089,7 @@
               </a:ln>
               <a:extLst>
                 <a:ext uri="{91240B29-F687-4f45-9708-019B960494DF}">
-                  <a14:hiddenLine xmlns:a14="http://schemas.microsoft.com/office/drawing/2010/main" xmlns="" w="9525">
+                  <a14:hiddenLine xmlns="" xmlns:a14="http://schemas.microsoft.com/office/drawing/2010/main" w="9525">
                     <a:solidFill>
                       <a:srgbClr val="000000"/>
                     </a:solidFill>
@@ -10146,7 +10151,7 @@
               </a:ln>
               <a:extLst>
                 <a:ext uri="{91240B29-F687-4f45-9708-019B960494DF}">
-                  <a14:hiddenLine xmlns:a14="http://schemas.microsoft.com/office/drawing/2010/main" xmlns="" w="9525">
+                  <a14:hiddenLine xmlns="" xmlns:a14="http://schemas.microsoft.com/office/drawing/2010/main" w="9525">
                     <a:solidFill>
                       <a:srgbClr val="000000"/>
                     </a:solidFill>
@@ -10236,7 +10241,7 @@
               </a:ln>
               <a:extLst>
                 <a:ext uri="{91240B29-F687-4f45-9708-019B960494DF}">
-                  <a14:hiddenLine xmlns:a14="http://schemas.microsoft.com/office/drawing/2010/main" xmlns="" w="9525">
+                  <a14:hiddenLine xmlns="" xmlns:a14="http://schemas.microsoft.com/office/drawing/2010/main" w="9525">
                     <a:solidFill>
                       <a:srgbClr val="000000"/>
                     </a:solidFill>
@@ -10270,7 +10275,7 @@
               </a:ln>
               <a:extLst>
                 <a:ext uri="{91240B29-F687-4f45-9708-019B960494DF}">
-                  <a14:hiddenLine xmlns:a14="http://schemas.microsoft.com/office/drawing/2010/main" xmlns="" w="9525">
+                  <a14:hiddenLine xmlns="" xmlns:a14="http://schemas.microsoft.com/office/drawing/2010/main" w="9525">
                     <a:solidFill>
                       <a:srgbClr val="000000"/>
                     </a:solidFill>
@@ -10335,7 +10340,7 @@
               </a:ln>
               <a:extLst>
                 <a:ext uri="{91240B29-F687-4f45-9708-019B960494DF}">
-                  <a14:hiddenLine xmlns:a14="http://schemas.microsoft.com/office/drawing/2010/main" xmlns="" w="9525">
+                  <a14:hiddenLine xmlns="" xmlns:a14="http://schemas.microsoft.com/office/drawing/2010/main" w="9525">
                     <a:solidFill>
                       <a:srgbClr val="000000"/>
                     </a:solidFill>
@@ -10425,7 +10430,7 @@
               </a:ln>
               <a:extLst>
                 <a:ext uri="{91240B29-F687-4f45-9708-019B960494DF}">
-                  <a14:hiddenLine xmlns:a14="http://schemas.microsoft.com/office/drawing/2010/main" xmlns="" w="9525">
+                  <a14:hiddenLine xmlns="" xmlns:a14="http://schemas.microsoft.com/office/drawing/2010/main" w="9525">
                     <a:solidFill>
                       <a:srgbClr val="000000"/>
                     </a:solidFill>
@@ -10487,7 +10492,7 @@
               </a:ln>
               <a:extLst>
                 <a:ext uri="{91240B29-F687-4f45-9708-019B960494DF}">
-                  <a14:hiddenLine xmlns:a14="http://schemas.microsoft.com/office/drawing/2010/main" xmlns="" w="9525">
+                  <a14:hiddenLine xmlns="" xmlns:a14="http://schemas.microsoft.com/office/drawing/2010/main" w="9525">
                     <a:solidFill>
                       <a:srgbClr val="000000"/>
                     </a:solidFill>
@@ -10577,7 +10582,7 @@
               </a:ln>
               <a:extLst>
                 <a:ext uri="{91240B29-F687-4f45-9708-019B960494DF}">
-                  <a14:hiddenLine xmlns:a14="http://schemas.microsoft.com/office/drawing/2010/main" xmlns="" w="9525">
+                  <a14:hiddenLine xmlns="" xmlns:a14="http://schemas.microsoft.com/office/drawing/2010/main" w="9525">
                     <a:solidFill>
                       <a:srgbClr val="000000"/>
                     </a:solidFill>
@@ -10642,7 +10647,7 @@
               </a:ln>
               <a:extLst>
                 <a:ext uri="{91240B29-F687-4f45-9708-019B960494DF}">
-                  <a14:hiddenLine xmlns:a14="http://schemas.microsoft.com/office/drawing/2010/main" xmlns="" w="9525">
+                  <a14:hiddenLine xmlns="" xmlns:a14="http://schemas.microsoft.com/office/drawing/2010/main" w="9525">
                     <a:solidFill>
                       <a:srgbClr val="000000"/>
                     </a:solidFill>
@@ -10704,7 +10709,7 @@
               </a:ln>
               <a:extLst>
                 <a:ext uri="{91240B29-F687-4f45-9708-019B960494DF}">
-                  <a14:hiddenLine xmlns:a14="http://schemas.microsoft.com/office/drawing/2010/main" xmlns="" w="9525">
+                  <a14:hiddenLine xmlns="" xmlns:a14="http://schemas.microsoft.com/office/drawing/2010/main" w="9525">
                     <a:solidFill>
                       <a:srgbClr val="000000"/>
                     </a:solidFill>
@@ -10794,7 +10799,7 @@
               </a:ln>
               <a:extLst>
                 <a:ext uri="{91240B29-F687-4f45-9708-019B960494DF}">
-                  <a14:hiddenLine xmlns:a14="http://schemas.microsoft.com/office/drawing/2010/main" xmlns="" w="9525">
+                  <a14:hiddenLine xmlns="" xmlns:a14="http://schemas.microsoft.com/office/drawing/2010/main" w="9525">
                     <a:solidFill>
                       <a:srgbClr val="000000"/>
                     </a:solidFill>
@@ -10884,7 +10889,7 @@
               </a:ln>
               <a:extLst>
                 <a:ext uri="{91240B29-F687-4f45-9708-019B960494DF}">
-                  <a14:hiddenLine xmlns:a14="http://schemas.microsoft.com/office/drawing/2010/main" xmlns="" w="9525">
+                  <a14:hiddenLine xmlns="" xmlns:a14="http://schemas.microsoft.com/office/drawing/2010/main" w="9525">
                     <a:solidFill>
                       <a:srgbClr val="000000"/>
                     </a:solidFill>
@@ -10949,7 +10954,7 @@
               </a:ln>
               <a:extLst>
                 <a:ext uri="{91240B29-F687-4f45-9708-019B960494DF}">
-                  <a14:hiddenLine xmlns:a14="http://schemas.microsoft.com/office/drawing/2010/main" xmlns="" w="9525">
+                  <a14:hiddenLine xmlns="" xmlns:a14="http://schemas.microsoft.com/office/drawing/2010/main" w="9525">
                     <a:solidFill>
                       <a:srgbClr val="000000"/>
                     </a:solidFill>
@@ -11069,7 +11074,7 @@
               </a:ln>
               <a:extLst>
                 <a:ext uri="{91240B29-F687-4f45-9708-019B960494DF}">
-                  <a14:hiddenLine xmlns:a14="http://schemas.microsoft.com/office/drawing/2010/main" xmlns="" w="9525">
+                  <a14:hiddenLine xmlns="" xmlns:a14="http://schemas.microsoft.com/office/drawing/2010/main" w="9525">
                     <a:solidFill>
                       <a:srgbClr val="000000"/>
                     </a:solidFill>
@@ -11167,7 +11172,7 @@
               </a:ln>
               <a:extLst>
                 <a:ext uri="{91240B29-F687-4f45-9708-019B960494DF}">
-                  <a14:hiddenLine xmlns:a14="http://schemas.microsoft.com/office/drawing/2010/main" xmlns="" w="9525">
+                  <a14:hiddenLine xmlns="" xmlns:a14="http://schemas.microsoft.com/office/drawing/2010/main" w="9525">
                     <a:solidFill>
                       <a:srgbClr val="000000"/>
                     </a:solidFill>
@@ -11282,7 +11287,7 @@
               </a:ln>
               <a:extLst>
                 <a:ext uri="{91240B29-F687-4f45-9708-019B960494DF}">
-                  <a14:hiddenLine xmlns:a14="http://schemas.microsoft.com/office/drawing/2010/main" xmlns="" w="9525">
+                  <a14:hiddenLine xmlns="" xmlns:a14="http://schemas.microsoft.com/office/drawing/2010/main" w="9525">
                     <a:solidFill>
                       <a:srgbClr val="000000"/>
                     </a:solidFill>
@@ -11372,7 +11377,7 @@
               </a:ln>
               <a:extLst>
                 <a:ext uri="{91240B29-F687-4f45-9708-019B960494DF}">
-                  <a14:hiddenLine xmlns:a14="http://schemas.microsoft.com/office/drawing/2010/main" xmlns="" w="9525">
+                  <a14:hiddenLine xmlns="" xmlns:a14="http://schemas.microsoft.com/office/drawing/2010/main" w="9525">
                     <a:solidFill>
                       <a:srgbClr val="000000"/>
                     </a:solidFill>
@@ -11437,7 +11442,7 @@
               </a:ln>
               <a:extLst>
                 <a:ext uri="{91240B29-F687-4f45-9708-019B960494DF}">
-                  <a14:hiddenLine xmlns:a14="http://schemas.microsoft.com/office/drawing/2010/main" xmlns="" w="9525">
+                  <a14:hiddenLine xmlns="" xmlns:a14="http://schemas.microsoft.com/office/drawing/2010/main" w="9525">
                     <a:solidFill>
                       <a:srgbClr val="000000"/>
                     </a:solidFill>
@@ -11527,7 +11532,7 @@
               </a:ln>
               <a:extLst>
                 <a:ext uri="{91240B29-F687-4f45-9708-019B960494DF}">
-                  <a14:hiddenLine xmlns:a14="http://schemas.microsoft.com/office/drawing/2010/main" xmlns="" w="9525">
+                  <a14:hiddenLine xmlns="" xmlns:a14="http://schemas.microsoft.com/office/drawing/2010/main" w="9525">
                     <a:solidFill>
                       <a:srgbClr val="000000"/>
                     </a:solidFill>
@@ -11595,7 +11600,7 @@
               </a:ln>
               <a:extLst>
                 <a:ext uri="{91240B29-F687-4f45-9708-019B960494DF}">
-                  <a14:hiddenLine xmlns:a14="http://schemas.microsoft.com/office/drawing/2010/main" xmlns="" w="9525">
+                  <a14:hiddenLine xmlns="" xmlns:a14="http://schemas.microsoft.com/office/drawing/2010/main" w="9525">
                     <a:solidFill>
                       <a:srgbClr val="000000"/>
                     </a:solidFill>
@@ -11685,7 +11690,7 @@
               </a:ln>
               <a:extLst>
                 <a:ext uri="{91240B29-F687-4f45-9708-019B960494DF}">
-                  <a14:hiddenLine xmlns:a14="http://schemas.microsoft.com/office/drawing/2010/main" xmlns="" w="9525">
+                  <a14:hiddenLine xmlns="" xmlns:a14="http://schemas.microsoft.com/office/drawing/2010/main" w="9525">
                     <a:solidFill>
                       <a:srgbClr val="000000"/>
                     </a:solidFill>
@@ -11753,7 +11758,7 @@
               </a:ln>
               <a:extLst>
                 <a:ext uri="{91240B29-F687-4f45-9708-019B960494DF}">
-                  <a14:hiddenLine xmlns:a14="http://schemas.microsoft.com/office/drawing/2010/main" xmlns="" w="9525">
+                  <a14:hiddenLine xmlns="" xmlns:a14="http://schemas.microsoft.com/office/drawing/2010/main" w="9525">
                     <a:solidFill>
                       <a:srgbClr val="000000"/>
                     </a:solidFill>
@@ -11843,7 +11848,7 @@
               </a:ln>
               <a:extLst>
                 <a:ext uri="{91240B29-F687-4f45-9708-019B960494DF}">
-                  <a14:hiddenLine xmlns:a14="http://schemas.microsoft.com/office/drawing/2010/main" xmlns="" w="9525">
+                  <a14:hiddenLine xmlns="" xmlns:a14="http://schemas.microsoft.com/office/drawing/2010/main" w="9525">
                     <a:solidFill>
                       <a:srgbClr val="000000"/>
                     </a:solidFill>
@@ -11877,7 +11882,7 @@
               </a:ln>
               <a:extLst>
                 <a:ext uri="{91240B29-F687-4f45-9708-019B960494DF}">
-                  <a14:hiddenLine xmlns:a14="http://schemas.microsoft.com/office/drawing/2010/main" xmlns="" w="9525">
+                  <a14:hiddenLine xmlns="" xmlns:a14="http://schemas.microsoft.com/office/drawing/2010/main" w="9525">
                     <a:solidFill>
                       <a:srgbClr val="000000"/>
                     </a:solidFill>
@@ -11947,35 +11952,35 @@
           <a:p>
             <a:pPr lvl="0"/>
             <a:r>
-              <a:rPr lang="en-US" smtClean="0"/>
+              <a:rPr lang="en-US"/>
               <a:t>Click to edit Master text styles</a:t>
             </a:r>
           </a:p>
           <a:p>
             <a:pPr lvl="1"/>
             <a:r>
-              <a:rPr lang="en-US" smtClean="0"/>
+              <a:rPr lang="en-US"/>
               <a:t>Second level</a:t>
             </a:r>
           </a:p>
           <a:p>
             <a:pPr lvl="2"/>
             <a:r>
-              <a:rPr lang="en-US" smtClean="0"/>
+              <a:rPr lang="en-US"/>
               <a:t>Third level</a:t>
             </a:r>
           </a:p>
           <a:p>
             <a:pPr lvl="3"/>
             <a:r>
-              <a:rPr lang="en-US" smtClean="0"/>
+              <a:rPr lang="en-US"/>
               <a:t>Fourth level</a:t>
             </a:r>
           </a:p>
           <a:p>
             <a:pPr lvl="4"/>
             <a:r>
-              <a:rPr lang="en-US" smtClean="0"/>
+              <a:rPr lang="en-US"/>
               <a:t>Fifth level</a:t>
             </a:r>
             <a:endParaRPr lang="en-US" dirty="0"/>
@@ -12017,7 +12022,7 @@
           <a:p>
             <a:fld id="{6F848232-DED2-4367-BD8F-E8FA741B3780}" type="datetimeFigureOut">
               <a:rPr lang="en-US" smtClean="0"/>
-              <a:t>10/23/2018</a:t>
+              <a:t>11/2/2018</a:t>
             </a:fld>
             <a:endParaRPr lang="en-US"/>
           </a:p>
@@ -12459,18 +12464,17 @@
           <a:p>
             <a:pPr algn="ctr"/>
             <a:r>
-              <a:rPr lang="en-US" dirty="0" smtClean="0"/>
+              <a:rPr lang="en-US" dirty="0"/>
               <a:t>COLLEGE </a:t>
             </a:r>
             <a:r>
-              <a:rPr lang="en-US" dirty="0" err="1" smtClean="0"/>
+              <a:rPr lang="en-US" dirty="0" err="1"/>
               <a:t>oF</a:t>
             </a:r>
             <a:r>
-              <a:rPr lang="en-US" dirty="0" smtClean="0"/>
+              <a:rPr lang="en-US" dirty="0"/>
               <a:t> SCIENCE</a:t>
             </a:r>
-            <a:endParaRPr lang="en-US" dirty="0"/>
           </a:p>
         </p:txBody>
       </p:sp>
@@ -12495,20 +12499,19 @@
           <a:lstStyle/>
           <a:p>
             <a:r>
-              <a:rPr lang="en-US" dirty="0" err="1" smtClean="0"/>
+              <a:rPr lang="en-US" dirty="0" err="1"/>
               <a:t>PhaSE</a:t>
             </a:r>
             <a:r>
-              <a:rPr lang="en-US" dirty="0" smtClean="0"/>
+              <a:rPr lang="en-US" dirty="0"/>
               <a:t> #1</a:t>
             </a:r>
           </a:p>
           <a:p>
             <a:r>
-              <a:rPr lang="en-US" dirty="0" smtClean="0"/>
+              <a:rPr lang="en-US" dirty="0"/>
               <a:t>Done by: 404 TEAM</a:t>
             </a:r>
-            <a:endParaRPr lang="en-US" dirty="0"/>
           </a:p>
         </p:txBody>
       </p:sp>
@@ -12595,14 +12598,13 @@
           <a:lstStyle/>
           <a:p>
             <a:r>
-              <a:rPr lang="en-US" smtClean="0"/>
+              <a:rPr lang="en-US"/>
               <a:t>Our files </a:t>
             </a:r>
             <a:r>
-              <a:rPr lang="en-US" dirty="0" smtClean="0"/>
+              <a:rPr lang="en-US" dirty="0"/>
               <a:t>Structure</a:t>
             </a:r>
-            <a:endParaRPr lang="en-US" dirty="0"/>
           </a:p>
         </p:txBody>
       </p:sp>
@@ -12711,10 +12713,9 @@
           <a:lstStyle/>
           <a:p>
             <a:r>
-              <a:rPr lang="en-US" dirty="0" smtClean="0"/>
+              <a:rPr lang="en-US" dirty="0"/>
               <a:t>OUR 20 pages plan</a:t>
             </a:r>
-            <a:endParaRPr lang="en-US" dirty="0"/>
           </a:p>
         </p:txBody>
       </p:sp>
@@ -12730,38 +12731,45 @@
         </p:nvSpPr>
         <p:spPr/>
         <p:txBody>
-          <a:bodyPr/>
+          <a:bodyPr>
+            <a:normAutofit lnSpcReduction="10000"/>
+          </a:bodyPr>
           <a:lstStyle/>
           <a:p>
             <a:r>
-              <a:rPr lang="en-US" dirty="0" smtClean="0"/>
+              <a:rPr lang="en-US" dirty="0"/>
+              <a:t>We are using hierarchical structure!</a:t>
+            </a:r>
+          </a:p>
+          <a:p>
+            <a:r>
+              <a:rPr lang="en-US" dirty="0"/>
               <a:t>We will have multiple links in the home page that will link us to other pages in the website. Ex department, Event, Student and Research page</a:t>
             </a:r>
           </a:p>
           <a:p>
             <a:r>
-              <a:rPr lang="en-US" dirty="0" smtClean="0"/>
+              <a:rPr lang="en-US" dirty="0"/>
               <a:t>We will have 5 pages inside the department main page </a:t>
             </a:r>
           </a:p>
           <a:p>
             <a:r>
-              <a:rPr lang="en-US" dirty="0" smtClean="0"/>
+              <a:rPr lang="en-US" dirty="0"/>
               <a:t>Multiple pages inside the events main page</a:t>
             </a:r>
           </a:p>
           <a:p>
             <a:r>
-              <a:rPr lang="en-US" dirty="0" smtClean="0"/>
+              <a:rPr lang="en-US" dirty="0"/>
               <a:t>Multiple pages inside the students main page</a:t>
             </a:r>
           </a:p>
           <a:p>
             <a:r>
-              <a:rPr lang="en-US" dirty="0" smtClean="0"/>
+              <a:rPr lang="en-US" dirty="0"/>
               <a:t>Multiple pages inside the research page</a:t>
             </a:r>
-            <a:endParaRPr lang="en-US" dirty="0"/>
           </a:p>
         </p:txBody>
       </p:sp>
@@ -12811,10 +12819,9 @@
           <a:lstStyle/>
           <a:p>
             <a:r>
-              <a:rPr lang="en-US" dirty="0" smtClean="0"/>
+              <a:rPr lang="en-US" dirty="0"/>
               <a:t>Our audience</a:t>
             </a:r>
-            <a:endParaRPr lang="en-US" dirty="0"/>
           </a:p>
         </p:txBody>
       </p:sp>
@@ -12830,16 +12837,63 @@
         </p:nvSpPr>
         <p:spPr/>
         <p:txBody>
-          <a:bodyPr/>
+          <a:bodyPr>
+            <a:normAutofit fontScale="92500" lnSpcReduction="10000"/>
+          </a:bodyPr>
           <a:lstStyle/>
           <a:p>
             <a:r>
-              <a:rPr lang="en-US" dirty="0" smtClean="0"/>
+              <a:rPr lang="en-US" dirty="0"/>
               <a:t>Students who are willing to make a difference in the world</a:t>
             </a:r>
           </a:p>
           <a:p>
-            <a:endParaRPr lang="en-US" dirty="0" smtClean="0"/>
+            <a:r>
+              <a:rPr lang="en-US" dirty="0"/>
+              <a:t>Faculty</a:t>
+            </a:r>
+          </a:p>
+          <a:p>
+            <a:r>
+              <a:rPr lang="en-US" dirty="0"/>
+              <a:t>Staff</a:t>
+            </a:r>
+          </a:p>
+          <a:p>
+            <a:r>
+              <a:rPr lang="en-US" dirty="0"/>
+              <a:t>Researchers</a:t>
+            </a:r>
+          </a:p>
+          <a:p>
+            <a:r>
+              <a:rPr lang="en-US" dirty="0"/>
+              <a:t>Parents</a:t>
+            </a:r>
+          </a:p>
+          <a:p>
+            <a:r>
+              <a:rPr lang="en-US" dirty="0"/>
+              <a:t>Donors</a:t>
+            </a:r>
+          </a:p>
+          <a:p>
+            <a:r>
+              <a:rPr lang="en-US" dirty="0"/>
+              <a:t>Alumni</a:t>
+            </a:r>
+          </a:p>
+          <a:p>
+            <a:endParaRPr lang="en-US" dirty="0"/>
+          </a:p>
+          <a:p>
+            <a:pPr marL="0" indent="0">
+              <a:buNone/>
+            </a:pPr>
+            <a:endParaRPr lang="en-US" dirty="0"/>
+          </a:p>
+          <a:p>
+            <a:endParaRPr lang="en-US" dirty="0"/>
           </a:p>
           <a:p>
             <a:endParaRPr lang="en-US" dirty="0"/>
@@ -12892,10 +12946,9 @@
           <a:lstStyle/>
           <a:p>
             <a:r>
-              <a:rPr lang="en-US" dirty="0" smtClean="0"/>
+              <a:rPr lang="en-US" dirty="0"/>
               <a:t>Home page	</a:t>
             </a:r>
-            <a:endParaRPr lang="en-US" dirty="0"/>
           </a:p>
         </p:txBody>
       </p:sp>
@@ -12917,47 +12970,47 @@
           <a:lstStyle/>
           <a:p>
             <a:r>
-              <a:rPr lang="en-US" dirty="0" err="1" smtClean="0"/>
+              <a:rPr lang="en-US" dirty="0" err="1"/>
               <a:t>Nav</a:t>
             </a:r>
             <a:r>
-              <a:rPr lang="en-US" dirty="0" smtClean="0"/>
+              <a:rPr lang="en-US" dirty="0"/>
               <a:t>-bar</a:t>
             </a:r>
           </a:p>
           <a:p>
             <a:r>
-              <a:rPr lang="en-US" dirty="0" smtClean="0"/>
+              <a:rPr lang="en-US" dirty="0"/>
               <a:t>Dean’s welcoming message </a:t>
             </a:r>
           </a:p>
           <a:p>
             <a:r>
-              <a:rPr lang="en-US" dirty="0" smtClean="0"/>
+              <a:rPr lang="en-US" dirty="0"/>
               <a:t>Events and activities</a:t>
             </a:r>
           </a:p>
           <a:p>
             <a:r>
-              <a:rPr lang="en-US" dirty="0" smtClean="0"/>
+              <a:rPr lang="en-US" dirty="0"/>
               <a:t>Students</a:t>
             </a:r>
           </a:p>
           <a:p>
             <a:r>
-              <a:rPr lang="en-US" dirty="0" smtClean="0"/>
+              <a:rPr lang="en-US" dirty="0"/>
               <a:t>Research </a:t>
             </a:r>
           </a:p>
           <a:p>
             <a:r>
-              <a:rPr lang="en-US" dirty="0" smtClean="0"/>
+              <a:rPr lang="en-US" dirty="0"/>
               <a:t>Contact us</a:t>
             </a:r>
           </a:p>
           <a:p>
             <a:r>
-              <a:rPr lang="en-US" dirty="0" smtClean="0"/>
+              <a:rPr lang="en-US" dirty="0"/>
               <a:t>Footer </a:t>
             </a:r>
           </a:p>
@@ -13012,10 +13065,9 @@
           <a:lstStyle/>
           <a:p>
             <a:r>
-              <a:rPr lang="en-US" dirty="0" smtClean="0"/>
+              <a:rPr lang="en-US" dirty="0"/>
               <a:t>Departments</a:t>
             </a:r>
-            <a:endParaRPr lang="en-US" dirty="0"/>
           </a:p>
         </p:txBody>
       </p:sp>
@@ -13035,31 +13087,31 @@
           <a:lstStyle/>
           <a:p>
             <a:r>
-              <a:rPr lang="en-US" dirty="0" smtClean="0"/>
+              <a:rPr lang="en-US" dirty="0"/>
               <a:t>Applied biology</a:t>
             </a:r>
           </a:p>
           <a:p>
             <a:r>
-              <a:rPr lang="en-US" dirty="0" smtClean="0"/>
+              <a:rPr lang="en-US" dirty="0"/>
               <a:t>Applied Physics &amp; Astronomy </a:t>
             </a:r>
           </a:p>
           <a:p>
             <a:r>
-              <a:rPr lang="en-US" dirty="0" smtClean="0"/>
+              <a:rPr lang="en-US" dirty="0"/>
               <a:t>Chemistry</a:t>
             </a:r>
           </a:p>
           <a:p>
             <a:r>
-              <a:rPr lang="en-US" dirty="0" smtClean="0"/>
+              <a:rPr lang="en-US" dirty="0"/>
               <a:t>Computer Science</a:t>
             </a:r>
           </a:p>
           <a:p>
             <a:r>
-              <a:rPr lang="en-US" dirty="0" smtClean="0"/>
+              <a:rPr lang="en-US" dirty="0"/>
               <a:t>Mathematics</a:t>
             </a:r>
           </a:p>
@@ -13117,10 +13169,9 @@
           <a:lstStyle/>
           <a:p>
             <a:r>
-              <a:rPr lang="en-US" dirty="0" smtClean="0"/>
+              <a:rPr lang="en-US" dirty="0"/>
               <a:t>Computer Science</a:t>
             </a:r>
-            <a:endParaRPr lang="en-US" dirty="0"/>
           </a:p>
         </p:txBody>
       </p:sp>
@@ -13142,7 +13193,7 @@
           <a:lstStyle/>
           <a:p>
             <a:r>
-              <a:rPr lang="en-US" sz="2600" dirty="0" smtClean="0"/>
+              <a:rPr lang="en-US" sz="2600" dirty="0"/>
               <a:t>Programs and Degrees</a:t>
             </a:r>
           </a:p>
@@ -13164,25 +13215,27 @@
             <a:pPr lvl="1"/>
             <a:r>
               <a:rPr lang="en-US" sz="2400" dirty="0"/>
-              <a:t>Bachelor of Science in Information </a:t>
+              <a:t>Bachelor of Science in Information Technology</a:t>
             </a:r>
+            <a:endParaRPr lang="en-US" sz="2200" dirty="0"/>
+          </a:p>
+          <a:p>
             <a:r>
-              <a:rPr lang="en-US" sz="2400" dirty="0" smtClean="0"/>
-              <a:t>Technology</a:t>
+              <a:rPr lang="en-US" sz="2600" dirty="0"/>
+              <a:t>Our people</a:t>
             </a:r>
-            <a:endParaRPr lang="en-US" sz="2200" dirty="0" smtClean="0"/>
           </a:p>
           <a:p>
             <a:r>
-              <a:rPr lang="en-US" sz="2600" dirty="0" smtClean="0"/>
-              <a:t>Our people </a:t>
+              <a:rPr lang="en-US" sz="2600" dirty="0"/>
+              <a:t>Contact us </a:t>
             </a:r>
           </a:p>
           <a:p>
             <a:pPr marL="0" indent="0">
               <a:buNone/>
             </a:pPr>
-            <a:endParaRPr lang="en-US" sz="2600" dirty="0" smtClean="0"/>
+            <a:endParaRPr lang="en-US" sz="2600" dirty="0"/>
           </a:p>
         </p:txBody>
       </p:sp>
